--- a/logo/logo.pptx
+++ b/logo/logo.pptx
@@ -259,7 +259,7 @@
           <a:p>
             <a:fld id="{5B3BF83F-44A3-D848-9495-2C38203F50FA}" type="datetimeFigureOut">
               <a:rPr lang="en-US" smtClean="0"/>
-              <a:t>3/3/24</a:t>
+              <a:t>3/5/24</a:t>
             </a:fld>
             <a:endParaRPr lang="en-US"/>
           </a:p>
@@ -457,7 +457,7 @@
           <a:p>
             <a:fld id="{5B3BF83F-44A3-D848-9495-2C38203F50FA}" type="datetimeFigureOut">
               <a:rPr lang="en-US" smtClean="0"/>
-              <a:t>3/3/24</a:t>
+              <a:t>3/5/24</a:t>
             </a:fld>
             <a:endParaRPr lang="en-US"/>
           </a:p>
@@ -665,7 +665,7 @@
           <a:p>
             <a:fld id="{5B3BF83F-44A3-D848-9495-2C38203F50FA}" type="datetimeFigureOut">
               <a:rPr lang="en-US" smtClean="0"/>
-              <a:t>3/3/24</a:t>
+              <a:t>3/5/24</a:t>
             </a:fld>
             <a:endParaRPr lang="en-US"/>
           </a:p>
@@ -863,7 +863,7 @@
           <a:p>
             <a:fld id="{5B3BF83F-44A3-D848-9495-2C38203F50FA}" type="datetimeFigureOut">
               <a:rPr lang="en-US" smtClean="0"/>
-              <a:t>3/3/24</a:t>
+              <a:t>3/5/24</a:t>
             </a:fld>
             <a:endParaRPr lang="en-US"/>
           </a:p>
@@ -1138,7 +1138,7 @@
           <a:p>
             <a:fld id="{5B3BF83F-44A3-D848-9495-2C38203F50FA}" type="datetimeFigureOut">
               <a:rPr lang="en-US" smtClean="0"/>
-              <a:t>3/3/24</a:t>
+              <a:t>3/5/24</a:t>
             </a:fld>
             <a:endParaRPr lang="en-US"/>
           </a:p>
@@ -1403,7 +1403,7 @@
           <a:p>
             <a:fld id="{5B3BF83F-44A3-D848-9495-2C38203F50FA}" type="datetimeFigureOut">
               <a:rPr lang="en-US" smtClean="0"/>
-              <a:t>3/3/24</a:t>
+              <a:t>3/5/24</a:t>
             </a:fld>
             <a:endParaRPr lang="en-US"/>
           </a:p>
@@ -1815,7 +1815,7 @@
           <a:p>
             <a:fld id="{5B3BF83F-44A3-D848-9495-2C38203F50FA}" type="datetimeFigureOut">
               <a:rPr lang="en-US" smtClean="0"/>
-              <a:t>3/3/24</a:t>
+              <a:t>3/5/24</a:t>
             </a:fld>
             <a:endParaRPr lang="en-US"/>
           </a:p>
@@ -1956,7 +1956,7 @@
           <a:p>
             <a:fld id="{5B3BF83F-44A3-D848-9495-2C38203F50FA}" type="datetimeFigureOut">
               <a:rPr lang="en-US" smtClean="0"/>
-              <a:t>3/3/24</a:t>
+              <a:t>3/5/24</a:t>
             </a:fld>
             <a:endParaRPr lang="en-US"/>
           </a:p>
@@ -2069,7 +2069,7 @@
           <a:p>
             <a:fld id="{5B3BF83F-44A3-D848-9495-2C38203F50FA}" type="datetimeFigureOut">
               <a:rPr lang="en-US" smtClean="0"/>
-              <a:t>3/3/24</a:t>
+              <a:t>3/5/24</a:t>
             </a:fld>
             <a:endParaRPr lang="en-US"/>
           </a:p>
@@ -2380,7 +2380,7 @@
           <a:p>
             <a:fld id="{5B3BF83F-44A3-D848-9495-2C38203F50FA}" type="datetimeFigureOut">
               <a:rPr lang="en-US" smtClean="0"/>
-              <a:t>3/3/24</a:t>
+              <a:t>3/5/24</a:t>
             </a:fld>
             <a:endParaRPr lang="en-US"/>
           </a:p>
@@ -2668,7 +2668,7 @@
           <a:p>
             <a:fld id="{5B3BF83F-44A3-D848-9495-2C38203F50FA}" type="datetimeFigureOut">
               <a:rPr lang="en-US" smtClean="0"/>
-              <a:t>3/3/24</a:t>
+              <a:t>3/5/24</a:t>
             </a:fld>
             <a:endParaRPr lang="en-US"/>
           </a:p>
@@ -2909,7 +2909,7 @@
           <a:p>
             <a:fld id="{5B3BF83F-44A3-D848-9495-2C38203F50FA}" type="datetimeFigureOut">
               <a:rPr lang="en-US" smtClean="0"/>
-              <a:t>3/3/24</a:t>
+              <a:t>3/5/24</a:t>
             </a:fld>
             <a:endParaRPr lang="en-US"/>
           </a:p>

--- a/logo/logo.pptx
+++ b/logo/logo.pptx
@@ -259,7 +259,7 @@
           <a:p>
             <a:fld id="{5B3BF83F-44A3-D848-9495-2C38203F50FA}" type="datetimeFigureOut">
               <a:rPr lang="en-US" smtClean="0"/>
-              <a:t>3/5/24</a:t>
+              <a:t>5/21/24</a:t>
             </a:fld>
             <a:endParaRPr lang="en-US"/>
           </a:p>
@@ -457,7 +457,7 @@
           <a:p>
             <a:fld id="{5B3BF83F-44A3-D848-9495-2C38203F50FA}" type="datetimeFigureOut">
               <a:rPr lang="en-US" smtClean="0"/>
-              <a:t>3/5/24</a:t>
+              <a:t>5/21/24</a:t>
             </a:fld>
             <a:endParaRPr lang="en-US"/>
           </a:p>
@@ -665,7 +665,7 @@
           <a:p>
             <a:fld id="{5B3BF83F-44A3-D848-9495-2C38203F50FA}" type="datetimeFigureOut">
               <a:rPr lang="en-US" smtClean="0"/>
-              <a:t>3/5/24</a:t>
+              <a:t>5/21/24</a:t>
             </a:fld>
             <a:endParaRPr lang="en-US"/>
           </a:p>
@@ -863,7 +863,7 @@
           <a:p>
             <a:fld id="{5B3BF83F-44A3-D848-9495-2C38203F50FA}" type="datetimeFigureOut">
               <a:rPr lang="en-US" smtClean="0"/>
-              <a:t>3/5/24</a:t>
+              <a:t>5/21/24</a:t>
             </a:fld>
             <a:endParaRPr lang="en-US"/>
           </a:p>
@@ -1138,7 +1138,7 @@
           <a:p>
             <a:fld id="{5B3BF83F-44A3-D848-9495-2C38203F50FA}" type="datetimeFigureOut">
               <a:rPr lang="en-US" smtClean="0"/>
-              <a:t>3/5/24</a:t>
+              <a:t>5/21/24</a:t>
             </a:fld>
             <a:endParaRPr lang="en-US"/>
           </a:p>
@@ -1403,7 +1403,7 @@
           <a:p>
             <a:fld id="{5B3BF83F-44A3-D848-9495-2C38203F50FA}" type="datetimeFigureOut">
               <a:rPr lang="en-US" smtClean="0"/>
-              <a:t>3/5/24</a:t>
+              <a:t>5/21/24</a:t>
             </a:fld>
             <a:endParaRPr lang="en-US"/>
           </a:p>
@@ -1815,7 +1815,7 @@
           <a:p>
             <a:fld id="{5B3BF83F-44A3-D848-9495-2C38203F50FA}" type="datetimeFigureOut">
               <a:rPr lang="en-US" smtClean="0"/>
-              <a:t>3/5/24</a:t>
+              <a:t>5/21/24</a:t>
             </a:fld>
             <a:endParaRPr lang="en-US"/>
           </a:p>
@@ -1956,7 +1956,7 @@
           <a:p>
             <a:fld id="{5B3BF83F-44A3-D848-9495-2C38203F50FA}" type="datetimeFigureOut">
               <a:rPr lang="en-US" smtClean="0"/>
-              <a:t>3/5/24</a:t>
+              <a:t>5/21/24</a:t>
             </a:fld>
             <a:endParaRPr lang="en-US"/>
           </a:p>
@@ -2069,7 +2069,7 @@
           <a:p>
             <a:fld id="{5B3BF83F-44A3-D848-9495-2C38203F50FA}" type="datetimeFigureOut">
               <a:rPr lang="en-US" smtClean="0"/>
-              <a:t>3/5/24</a:t>
+              <a:t>5/21/24</a:t>
             </a:fld>
             <a:endParaRPr lang="en-US"/>
           </a:p>
@@ -2380,7 +2380,7 @@
           <a:p>
             <a:fld id="{5B3BF83F-44A3-D848-9495-2C38203F50FA}" type="datetimeFigureOut">
               <a:rPr lang="en-US" smtClean="0"/>
-              <a:t>3/5/24</a:t>
+              <a:t>5/21/24</a:t>
             </a:fld>
             <a:endParaRPr lang="en-US"/>
           </a:p>
@@ -2668,7 +2668,7 @@
           <a:p>
             <a:fld id="{5B3BF83F-44A3-D848-9495-2C38203F50FA}" type="datetimeFigureOut">
               <a:rPr lang="en-US" smtClean="0"/>
-              <a:t>3/5/24</a:t>
+              <a:t>5/21/24</a:t>
             </a:fld>
             <a:endParaRPr lang="en-US"/>
           </a:p>
@@ -2909,7 +2909,7 @@
           <a:p>
             <a:fld id="{5B3BF83F-44A3-D848-9495-2C38203F50FA}" type="datetimeFigureOut">
               <a:rPr lang="en-US" smtClean="0"/>
-              <a:t>3/5/24</a:t>
+              <a:t>5/21/24</a:t>
             </a:fld>
             <a:endParaRPr lang="en-US"/>
           </a:p>
@@ -3355,12 +3355,20 @@
           <a:lstStyle/>
           <a:p>
             <a:r>
+              <a:rPr lang="en-US" sz="14900" b="1" dirty="0">
+                <a:latin typeface="Apple Symbols" panose="02000000000000000000" pitchFamily="2" charset="-79"/>
+                <a:ea typeface="Apple Symbols" panose="02000000000000000000" pitchFamily="2" charset="-79"/>
+                <a:cs typeface="Apple Symbols" panose="02000000000000000000" pitchFamily="2" charset="-79"/>
+              </a:rPr>
+              <a:t>  </a:t>
+            </a:r>
+            <a:r>
               <a:rPr lang="en-US" sz="14900" b="1" dirty="0" err="1">
                 <a:latin typeface="Apple Symbols" panose="02000000000000000000" pitchFamily="2" charset="-79"/>
                 <a:ea typeface="Apple Symbols" panose="02000000000000000000" pitchFamily="2" charset="-79"/>
                 <a:cs typeface="Apple Symbols" panose="02000000000000000000" pitchFamily="2" charset="-79"/>
               </a:rPr>
-              <a:t>Sp</a:t>
+              <a:t>penSp</a:t>
             </a:r>
             <a:r>
               <a:rPr lang="en-US" sz="14900" b="1" dirty="0">
@@ -3378,47 +3386,56 @@
               </a:rPr>
               <a:t>iceAI</a:t>
             </a:r>
-            <a:r>
-              <a:rPr lang="en-US" sz="14900" b="1" dirty="0">
-                <a:latin typeface="Apple Symbols" panose="02000000000000000000" pitchFamily="2" charset="-79"/>
-                <a:ea typeface="Apple Symbols" panose="02000000000000000000" pitchFamily="2" charset="-79"/>
-                <a:cs typeface="Apple Symbols" panose="02000000000000000000" pitchFamily="2" charset="-79"/>
-              </a:rPr>
-              <a:t>-t</a:t>
-            </a:r>
-            <a:r>
-              <a:rPr lang="en-US" sz="12000" b="1" dirty="0">
-                <a:latin typeface="Apple Symbols" panose="02000000000000000000" pitchFamily="2" charset="-79"/>
-                <a:ea typeface="Apple Symbols" panose="02000000000000000000" pitchFamily="2" charset="-79"/>
-                <a:cs typeface="Apple Symbols" panose="02000000000000000000" pitchFamily="2" charset="-79"/>
-              </a:rPr>
-              <a:t>    </a:t>
-            </a:r>
-            <a:r>
-              <a:rPr lang="en-US" sz="14900" b="1" dirty="0" err="1">
-                <a:latin typeface="Apple Symbols" panose="02000000000000000000" pitchFamily="2" charset="-79"/>
-                <a:ea typeface="Apple Symbols" panose="02000000000000000000" pitchFamily="2" charset="-79"/>
-                <a:cs typeface="Apple Symbols" panose="02000000000000000000" pitchFamily="2" charset="-79"/>
-              </a:rPr>
-              <a:t>lk</a:t>
-            </a:r>
-            <a:r>
-              <a:rPr lang="en-US" sz="14900" b="1" dirty="0">
-                <a:latin typeface="Apple Symbols" panose="02000000000000000000" pitchFamily="2" charset="-79"/>
-                <a:ea typeface="Apple Symbols" panose="02000000000000000000" pitchFamily="2" charset="-79"/>
-                <a:cs typeface="Apple Symbols" panose="02000000000000000000" pitchFamily="2" charset="-79"/>
-              </a:rPr>
-              <a:t> t</a:t>
-            </a:r>
-          </a:p>
-        </p:txBody>
-      </p:sp>
+            <a:endParaRPr lang="en-US" sz="14900" b="1" dirty="0">
+              <a:latin typeface="Apple Symbols" panose="02000000000000000000" pitchFamily="2" charset="-79"/>
+              <a:ea typeface="Apple Symbols" panose="02000000000000000000" pitchFamily="2" charset="-79"/>
+              <a:cs typeface="Apple Symbols" panose="02000000000000000000" pitchFamily="2" charset="-79"/>
+            </a:endParaRPr>
+          </a:p>
+        </p:txBody>
+      </p:sp>
+      <p:cxnSp>
+        <p:nvCxnSpPr>
+          <p:cNvPr id="19" name="Straight Connector 18">
+            <a:extLst>
+              <a:ext uri="{FF2B5EF4-FFF2-40B4-BE49-F238E27FC236}">
+                <a16:creationId xmlns:a16="http://schemas.microsoft.com/office/drawing/2014/main" id="{1C277496-8FB2-D73D-4F29-36DA4B9E4DB2}"/>
+              </a:ext>
+            </a:extLst>
+          </p:cNvPr>
+          <p:cNvCxnSpPr/>
+          <p:nvPr/>
+        </p:nvCxnSpPr>
+        <p:spPr>
+          <a:xfrm flipH="1">
+            <a:off x="785611" y="7052244"/>
+            <a:ext cx="10006885" cy="0"/>
+          </a:xfrm>
+          <a:prstGeom prst="line">
+            <a:avLst/>
+          </a:prstGeom>
+        </p:spPr>
+        <p:style>
+          <a:lnRef idx="2">
+            <a:schemeClr val="accent1"/>
+          </a:lnRef>
+          <a:fillRef idx="0">
+            <a:schemeClr val="accent1"/>
+          </a:fillRef>
+          <a:effectRef idx="1">
+            <a:schemeClr val="accent1"/>
+          </a:effectRef>
+          <a:fontRef idx="minor">
+            <a:schemeClr val="tx1"/>
+          </a:fontRef>
+        </p:style>
+      </p:cxnSp>
       <p:pic>
         <p:nvPicPr>
-          <p:cNvPr id="4" name="Picture 3" descr="A black background with a black square&#10;&#10;Description automatically generated with medium confidence">
-            <a:extLst>
-              <a:ext uri="{FF2B5EF4-FFF2-40B4-BE49-F238E27FC236}">
-                <a16:creationId xmlns:a16="http://schemas.microsoft.com/office/drawing/2014/main" id="{CBCB9F63-FA7B-1C92-5E1A-42CF8086BA76}"/>
+          <p:cNvPr id="23" name="Picture 22">
+            <a:extLst>
+              <a:ext uri="{FF2B5EF4-FFF2-40B4-BE49-F238E27FC236}">
+                <a16:creationId xmlns:a16="http://schemas.microsoft.com/office/drawing/2014/main" id="{C09C861F-83E5-6F82-53AB-0FB4A7B66598}"/>
               </a:ext>
             </a:extLst>
           </p:cNvPr>
@@ -3434,99 +3451,9 @@
           </a:stretch>
         </p:blipFill>
         <p:spPr>
-          <a:xfrm>
-            <a:off x="7293929" y="3876468"/>
-            <a:ext cx="1000211" cy="1000211"/>
-          </a:xfrm>
-          <a:prstGeom prst="rect">
-            <a:avLst/>
-          </a:prstGeom>
-        </p:spPr>
-      </p:pic>
-      <p:pic>
-        <p:nvPicPr>
-          <p:cNvPr id="5" name="Picture 4" descr="A black background with a black square&#10;&#10;Description automatically generated with medium confidence">
-            <a:extLst>
-              <a:ext uri="{FF2B5EF4-FFF2-40B4-BE49-F238E27FC236}">
-                <a16:creationId xmlns:a16="http://schemas.microsoft.com/office/drawing/2014/main" id="{F4A22DD9-9B6A-3550-5EEC-D8CC5300A03A}"/>
-              </a:ext>
-            </a:extLst>
-          </p:cNvPr>
-          <p:cNvPicPr>
-            <a:picLocks noChangeAspect="1"/>
-          </p:cNvPicPr>
-          <p:nvPr/>
-        </p:nvPicPr>
-        <p:blipFill>
-          <a:blip r:embed="rId2"/>
-          <a:stretch>
-            <a:fillRect/>
-          </a:stretch>
-        </p:blipFill>
-        <p:spPr>
-          <a:xfrm rot="20298428">
-            <a:off x="8311023" y="3876468"/>
-            <a:ext cx="1000211" cy="1000211"/>
-          </a:xfrm>
-          <a:prstGeom prst="rect">
-            <a:avLst/>
-          </a:prstGeom>
-        </p:spPr>
-      </p:pic>
-      <p:pic>
-        <p:nvPicPr>
-          <p:cNvPr id="7" name="Picture 6" descr="A black and white logo&#10;&#10;Description automatically generated">
-            <a:extLst>
-              <a:ext uri="{FF2B5EF4-FFF2-40B4-BE49-F238E27FC236}">
-                <a16:creationId xmlns:a16="http://schemas.microsoft.com/office/drawing/2014/main" id="{679C72E8-6D53-20B5-E696-C7334F6656A8}"/>
-              </a:ext>
-            </a:extLst>
-          </p:cNvPr>
-          <p:cNvPicPr>
-            <a:picLocks noChangeAspect="1"/>
-          </p:cNvPicPr>
-          <p:nvPr/>
-        </p:nvPicPr>
-        <p:blipFill>
-          <a:blip r:embed="rId3"/>
-          <a:stretch>
-            <a:fillRect/>
-          </a:stretch>
-        </p:blipFill>
-        <p:spPr>
-          <a:xfrm>
-            <a:off x="2147525" y="3373795"/>
-            <a:ext cx="552299" cy="1436839"/>
-          </a:xfrm>
-          <a:prstGeom prst="rect">
-            <a:avLst/>
-          </a:prstGeom>
-        </p:spPr>
-      </p:pic>
-      <p:pic>
-        <p:nvPicPr>
-          <p:cNvPr id="24" name="Picture 23" descr="A black background with a black square&#10;&#10;Description automatically generated with medium confidence">
-            <a:extLst>
-              <a:ext uri="{FF2B5EF4-FFF2-40B4-BE49-F238E27FC236}">
-                <a16:creationId xmlns:a16="http://schemas.microsoft.com/office/drawing/2014/main" id="{DD5C7007-B550-9E62-61EC-7FC54B2E98DC}"/>
-              </a:ext>
-            </a:extLst>
-          </p:cNvPr>
-          <p:cNvPicPr>
-            <a:picLocks noChangeAspect="1"/>
-          </p:cNvPicPr>
-          <p:nvPr/>
-        </p:nvPicPr>
-        <p:blipFill>
-          <a:blip r:embed="rId4"/>
-          <a:stretch>
-            <a:fillRect/>
-          </a:stretch>
-        </p:blipFill>
-        <p:spPr>
           <a:xfrm rot="18900000">
-            <a:off x="10245952" y="3731145"/>
-            <a:ext cx="1021140" cy="1021140"/>
+            <a:off x="6530927" y="3639279"/>
+            <a:ext cx="1145122" cy="1145122"/>
           </a:xfrm>
           <a:prstGeom prst="rect">
             <a:avLst/>
@@ -3535,10 +3462,10 @@
       </p:pic>
       <p:grpSp>
         <p:nvGrpSpPr>
-          <p:cNvPr id="8" name="Group 7">
-            <a:extLst>
-              <a:ext uri="{FF2B5EF4-FFF2-40B4-BE49-F238E27FC236}">
-                <a16:creationId xmlns:a16="http://schemas.microsoft.com/office/drawing/2014/main" id="{E658D191-E7E6-5512-BDDC-E6E3ECC85DB9}"/>
+          <p:cNvPr id="26" name="Group 25">
+            <a:extLst>
+              <a:ext uri="{FF2B5EF4-FFF2-40B4-BE49-F238E27FC236}">
+                <a16:creationId xmlns:a16="http://schemas.microsoft.com/office/drawing/2014/main" id="{EC4EC542-8E22-6F0B-7B51-A962BA370A22}"/>
               </a:ext>
             </a:extLst>
           </p:cNvPr>
@@ -3547,18 +3474,60 @@
         </p:nvGrpSpPr>
         <p:grpSpPr>
           <a:xfrm>
-            <a:off x="10676109" y="3598499"/>
-            <a:ext cx="160826" cy="196425"/>
-            <a:chOff x="10666692" y="2766747"/>
-            <a:chExt cx="251166" cy="306762"/>
+            <a:off x="1070394" y="3551353"/>
+            <a:ext cx="1945437" cy="1460784"/>
+            <a:chOff x="1295369" y="2054694"/>
+            <a:chExt cx="1945437" cy="1460784"/>
           </a:xfrm>
         </p:grpSpPr>
+        <p:pic>
+          <p:nvPicPr>
+            <p:cNvPr id="17" name="Picture 16" descr="A white circle with black lines&#10;&#10;Description automatically generated">
+              <a:extLst>
+                <a:ext uri="{FF2B5EF4-FFF2-40B4-BE49-F238E27FC236}">
+                  <a16:creationId xmlns:a16="http://schemas.microsoft.com/office/drawing/2014/main" id="{ED752E9A-1CCD-2891-467B-10999640B316}"/>
+                </a:ext>
+              </a:extLst>
+            </p:cNvPr>
+            <p:cNvPicPr>
+              <a:picLocks noChangeAspect="1"/>
+            </p:cNvPicPr>
+            <p:nvPr/>
+          </p:nvPicPr>
+          <p:blipFill>
+            <a:blip r:embed="rId3">
+              <a:extLst>
+                <a:ext uri="{BEBA8EAE-BF5A-486C-A8C5-ECC9F3942E4B}">
+                  <a14:imgProps xmlns:a14="http://schemas.microsoft.com/office/drawing/2010/main">
+                    <a14:imgLayer r:embed="rId4">
+                      <a14:imgEffect>
+                        <a14:saturation sat="400000"/>
+                      </a14:imgEffect>
+                    </a14:imgLayer>
+                  </a14:imgProps>
+                </a:ext>
+              </a:extLst>
+            </a:blip>
+            <a:stretch>
+              <a:fillRect/>
+            </a:stretch>
+          </p:blipFill>
+          <p:spPr>
+            <a:xfrm>
+              <a:off x="1295369" y="2054694"/>
+              <a:ext cx="1945437" cy="1460784"/>
+            </a:xfrm>
+            <a:prstGeom prst="rect">
+              <a:avLst/>
+            </a:prstGeom>
+          </p:spPr>
+        </p:pic>
         <p:sp>
           <p:nvSpPr>
-            <p:cNvPr id="3" name="Trapezoid 2">
+            <p:cNvPr id="25" name="Oval 24">
               <a:extLst>
                 <a:ext uri="{FF2B5EF4-FFF2-40B4-BE49-F238E27FC236}">
-                  <a16:creationId xmlns:a16="http://schemas.microsoft.com/office/drawing/2014/main" id="{E6226BA7-57E8-DCFA-75DA-D8508F10743B}"/>
+                  <a16:creationId xmlns:a16="http://schemas.microsoft.com/office/drawing/2014/main" id="{66AA528E-CAAB-1B52-62BC-9BD1A50EF737}"/>
                 </a:ext>
               </a:extLst>
             </p:cNvPr>
@@ -3567,17 +3536,17 @@
           </p:nvSpPr>
           <p:spPr>
             <a:xfrm>
-              <a:off x="10666692" y="2766747"/>
-              <a:ext cx="251166" cy="192298"/>
+              <a:off x="1872596" y="2388780"/>
+              <a:ext cx="790404" cy="790404"/>
             </a:xfrm>
-            <a:prstGeom prst="trapezoid">
+            <a:prstGeom prst="ellipse">
               <a:avLst/>
             </a:prstGeom>
-            <a:solidFill>
-              <a:schemeClr val="tx1"/>
-            </a:solidFill>
-            <a:ln>
-              <a:noFill/>
+            <a:noFill/>
+            <a:ln w="88900">
+              <a:solidFill>
+                <a:schemeClr val="tx1"/>
+              </a:solidFill>
             </a:ln>
           </p:spPr>
           <p:style>
@@ -3601,59 +3570,7 @@
             <a:lstStyle/>
             <a:p>
               <a:pPr algn="ctr"/>
-              <a:endParaRPr lang="en-US"/>
-            </a:p>
-          </p:txBody>
-        </p:sp>
-        <p:sp>
-          <p:nvSpPr>
-            <p:cNvPr id="6" name="Trapezoid 5">
-              <a:extLst>
-                <a:ext uri="{FF2B5EF4-FFF2-40B4-BE49-F238E27FC236}">
-                  <a16:creationId xmlns:a16="http://schemas.microsoft.com/office/drawing/2014/main" id="{196F8CD8-3B6A-D849-4CE4-8511B15F16A0}"/>
-                </a:ext>
-              </a:extLst>
-            </p:cNvPr>
-            <p:cNvSpPr/>
-            <p:nvPr/>
-          </p:nvSpPr>
-          <p:spPr>
-            <a:xfrm flipV="1">
-              <a:off x="10666692" y="2959045"/>
-              <a:ext cx="251166" cy="114464"/>
-            </a:xfrm>
-            <a:prstGeom prst="trapezoid">
-              <a:avLst/>
-            </a:prstGeom>
-            <a:solidFill>
-              <a:schemeClr val="tx1"/>
-            </a:solidFill>
-            <a:ln>
-              <a:noFill/>
-            </a:ln>
-          </p:spPr>
-          <p:style>
-            <a:lnRef idx="2">
-              <a:schemeClr val="accent1">
-                <a:shade val="15000"/>
-              </a:schemeClr>
-            </a:lnRef>
-            <a:fillRef idx="1">
-              <a:schemeClr val="accent1"/>
-            </a:fillRef>
-            <a:effectRef idx="0">
-              <a:schemeClr val="accent1"/>
-            </a:effectRef>
-            <a:fontRef idx="minor">
-              <a:schemeClr val="lt1"/>
-            </a:fontRef>
-          </p:style>
-          <p:txBody>
-            <a:bodyPr rtlCol="0" anchor="ctr"/>
-            <a:lstStyle/>
-            <a:p>
-              <a:pPr algn="ctr"/>
-              <a:endParaRPr lang="en-US"/>
+              <a:endParaRPr lang="en-US" dirty="0"/>
             </a:p>
           </p:txBody>
         </p:sp>
